--- a/Later/String/Comparing_Strings_and_Portions_of_Strings/String_39/Java String_equals.pptx
+++ b/Later/String/Comparing_Strings_and_Portions_of_Strings/String_39/Java String_equals.pptx
@@ -3605,15 +3605,7 @@
             </a:pPr>
             <a:r>
               <a:rPr lang="en-US" sz="1200" dirty="0"/>
-              <a:t>"</a:t>
-            </a:r>
-            <a:r>
-              <a:rPr lang="en-US" sz="1200" dirty="0"/>
-              <a:t>welcome".equals</a:t>
-            </a:r>
-            <a:r>
-              <a:rPr lang="en-US" sz="1200" dirty="0"/>
-              <a:t>("welcome") = true</a:t>
+              <a:t>"welcome".equals("welcome") = true</a:t>
             </a:r>
           </a:p>
           <a:p>
@@ -3623,15 +3615,7 @@
             </a:pPr>
             <a:r>
               <a:rPr lang="en-US" sz="1200" dirty="0"/>
-              <a:t>"</a:t>
-            </a:r>
-            <a:r>
-              <a:rPr lang="en-US" sz="1200" dirty="0"/>
-              <a:t>welcome".equals</a:t>
-            </a:r>
-            <a:r>
-              <a:rPr lang="en-US" sz="1200" dirty="0"/>
-              <a:t>("WELCOME") = false</a:t>
+              <a:t>"welcome".equals("WELCOME") = false</a:t>
             </a:r>
           </a:p>
           <a:p>
@@ -3641,15 +3625,7 @@
             </a:pPr>
             <a:r>
               <a:rPr lang="en-US" sz="1200" dirty="0"/>
-              <a:t>"</a:t>
-            </a:r>
-            <a:r>
-              <a:rPr lang="en-US" sz="1200" dirty="0"/>
-              <a:t>welcome".equals</a:t>
-            </a:r>
-            <a:r>
-              <a:rPr lang="en-US" sz="1200" dirty="0"/>
-              <a:t>("hello")   = false</a:t>
+              <a:t>"welcome".equals("hello")   = false</a:t>
             </a:r>
           </a:p>
         </p:txBody>
@@ -3883,7 +3859,7 @@
           <p:nvPr>
             <p:extLst>
               <p:ext uri="{D42A27DB-BD31-4B8C-83A1-F6EECF244321}">
-                <p14:modId xmlns:p14="http://schemas.microsoft.com/office/powerpoint/2010/main" val="2899351645"/>
+                <p14:modId xmlns:p14="http://schemas.microsoft.com/office/powerpoint/2010/main" val="1011113606"/>
               </p:ext>
             </p:extLst>
           </p:nvPr>
@@ -4100,7 +4076,11 @@
                         <a:t>Returns </a:t>
                       </a:r>
                       <a:r>
-                        <a:rPr lang="en-US" sz="1200" dirty="0" smtClean="0"/>
+                        <a:rPr lang="en-US" sz="1200" dirty="0" smtClean="0">
+                          <a:solidFill>
+                            <a:srgbClr val="C00000"/>
+                          </a:solidFill>
+                        </a:rPr>
                         <a:t>true</a:t>
                       </a:r>
                       <a:r>
@@ -4116,7 +4096,11 @@
                         <a:t> if and only if the argument is a </a:t>
                       </a:r>
                       <a:r>
-                        <a:rPr lang="en-US" sz="1200" dirty="0" smtClean="0"/>
+                        <a:rPr lang="en-US" sz="1200" dirty="0" smtClean="0">
+                          <a:solidFill>
+                            <a:srgbClr val="C00000"/>
+                          </a:solidFill>
+                        </a:rPr>
                         <a:t>String</a:t>
                       </a:r>
                       <a:r>
